--- a/REDES.pptx
+++ b/REDES.pptx
@@ -3682,6 +3682,9 @@
   <p:clrMapOvr>
     <a:masterClrMapping/>
   </p:clrMapOvr>
+  <p:transition>
+    <p:cover/>
+  </p:transition>
 </p:sldLayout>
 </file>
 
@@ -4831,6 +4834,9 @@
   <p:clrMapOvr>
     <a:masterClrMapping/>
   </p:clrMapOvr>
+  <p:transition>
+    <p:cover/>
+  </p:transition>
 </p:sldLayout>
 </file>
 
@@ -5790,6 +5796,9 @@
   <p:clrMapOvr>
     <a:masterClrMapping/>
   </p:clrMapOvr>
+  <p:transition>
+    <p:cover/>
+  </p:transition>
 </p:sldLayout>
 </file>
 
@@ -7437,6 +7446,9 @@
   <p:clrMapOvr>
     <a:masterClrMapping/>
   </p:clrMapOvr>
+  <p:transition>
+    <p:cover/>
+  </p:transition>
 </p:sldLayout>
 </file>
 
@@ -10414,6 +10426,9 @@
   <p:clrMapOvr>
     <a:masterClrMapping/>
   </p:clrMapOvr>
+  <p:transition>
+    <p:cover/>
+  </p:transition>
 </p:sldLayout>
 </file>
 
@@ -12093,6 +12108,9 @@
   <p:clrMapOvr>
     <a:masterClrMapping/>
   </p:clrMapOvr>
+  <p:transition>
+    <p:cover/>
+  </p:transition>
 </p:sldLayout>
 </file>
 
@@ -14367,6 +14385,9 @@
   <p:clrMapOvr>
     <a:masterClrMapping/>
   </p:clrMapOvr>
+  <p:transition>
+    <p:cover/>
+  </p:transition>
 </p:sldLayout>
 </file>
 
@@ -14398,6 +14419,9 @@
   <p:clrMapOvr>
     <a:masterClrMapping/>
   </p:clrMapOvr>
+  <p:transition>
+    <p:cover/>
+  </p:transition>
 </p:sldLayout>
 </file>
 
@@ -15512,6 +15536,9 @@
   <p:clrMapOvr>
     <a:masterClrMapping/>
   </p:clrMapOvr>
+  <p:transition>
+    <p:cover/>
+  </p:transition>
 </p:sldLayout>
 </file>
 
@@ -17249,6 +17276,9 @@
   <p:clrMapOvr>
     <a:masterClrMapping/>
   </p:clrMapOvr>
+  <p:transition>
+    <p:cover/>
+  </p:transition>
 </p:sldLayout>
 </file>
 
@@ -18784,6 +18814,9 @@
   <p:clrMapOvr>
     <a:masterClrMapping/>
   </p:clrMapOvr>
+  <p:transition>
+    <p:cover/>
+  </p:transition>
 </p:sldLayout>
 </file>
 
@@ -21507,6 +21540,9 @@
   <p:clrMapOvr>
     <a:masterClrMapping/>
   </p:clrMapOvr>
+  <p:transition>
+    <p:cover/>
+  </p:transition>
 </p:sldLayout>
 </file>
 
@@ -21589,6 +21625,9 @@
   <p:clrMapOvr>
     <a:masterClrMapping/>
   </p:clrMapOvr>
+  <p:transition>
+    <p:cover/>
+  </p:transition>
 </p:sldLayout>
 </file>
 
@@ -22674,6 +22713,9 @@
   <p:clrMapOvr>
     <a:masterClrMapping/>
   </p:clrMapOvr>
+  <p:transition>
+    <p:cover/>
+  </p:transition>
 </p:sldLayout>
 </file>
 
@@ -23921,6 +23963,9 @@
   <p:clrMapOvr>
     <a:masterClrMapping/>
   </p:clrMapOvr>
+  <p:transition>
+    <p:cover/>
+  </p:transition>
 </p:sldLayout>
 </file>
 
@@ -24489,6 +24534,9 @@
     <p:sldLayoutId id="2147483692" r:id="rId14"/>
     <p:sldLayoutId id="2147483693" r:id="rId15"/>
   </p:sldLayoutIdLst>
+  <p:transition>
+    <p:cover/>
+  </p:transition>
   <p:hf hdr="0" ftr="0" dt="0"/>
   <p:txStyles>
     <p:titleStyle>
@@ -25341,6 +25389,100 @@
           </a:p>
         </p:txBody>
       </p:sp>
+      <p:sp>
+        <p:nvSpPr>
+          <p:cNvPr id="2" name="CuadroTexto 1">
+            <a:extLst>
+              <a:ext uri="{FF2B5EF4-FFF2-40B4-BE49-F238E27FC236}">
+                <a16:creationId xmlns:a16="http://schemas.microsoft.com/office/drawing/2014/main" id="{602F8933-2E3E-4302-A1B3-F7F6CD7B6222}"/>
+              </a:ext>
+            </a:extLst>
+          </p:cNvPr>
+          <p:cNvSpPr txBox="1"/>
+          <p:nvPr/>
+        </p:nvSpPr>
+        <p:spPr>
+          <a:xfrm>
+            <a:off x="150125" y="4881890"/>
+            <a:ext cx="7218643" cy="261610"/>
+          </a:xfrm>
+          <a:prstGeom prst="rect">
+            <a:avLst/>
+          </a:prstGeom>
+          <a:noFill/>
+        </p:spPr>
+        <p:txBody>
+          <a:bodyPr wrap="none" rtlCol="0">
+            <a:spAutoFit/>
+          </a:bodyPr>
+          <a:lstStyle/>
+          <a:p>
+            <a:r>
+              <a:rPr lang="es-AR" sz="1100" dirty="0">
+                <a:solidFill>
+                  <a:schemeClr val="bg1"/>
+                </a:solidFill>
+                <a:latin typeface="Overpass" panose="020B0604020202020204" charset="0"/>
+              </a:rPr>
+              <a:t>Integrantes : </a:t>
+            </a:r>
+            <a:r>
+              <a:rPr lang="es-AR" sz="1100" dirty="0" err="1">
+                <a:solidFill>
+                  <a:schemeClr val="bg1"/>
+                </a:solidFill>
+                <a:latin typeface="Overpass" panose="020B0604020202020204" charset="0"/>
+              </a:rPr>
+              <a:t>Casais</a:t>
+            </a:r>
+            <a:r>
+              <a:rPr lang="es-AR" sz="1100" dirty="0">
+                <a:solidFill>
+                  <a:schemeClr val="bg1"/>
+                </a:solidFill>
+                <a:latin typeface="Overpass" panose="020B0604020202020204" charset="0"/>
+              </a:rPr>
+              <a:t> Francisco, </a:t>
+            </a:r>
+            <a:r>
+              <a:rPr lang="es-AR" sz="1100" dirty="0" err="1">
+                <a:solidFill>
+                  <a:schemeClr val="bg1"/>
+                </a:solidFill>
+                <a:latin typeface="Overpass" panose="020B0604020202020204" charset="0"/>
+              </a:rPr>
+              <a:t>Mlikota</a:t>
+            </a:r>
+            <a:r>
+              <a:rPr lang="es-AR" sz="1100" dirty="0">
+                <a:solidFill>
+                  <a:schemeClr val="bg1"/>
+                </a:solidFill>
+                <a:latin typeface="Overpass" panose="020B0604020202020204" charset="0"/>
+              </a:rPr>
+              <a:t> Anna, Ibarrola Camila, Fernandez Cristian, </a:t>
+            </a:r>
+            <a:r>
+              <a:rPr lang="es-AR" sz="1100" dirty="0" err="1">
+                <a:solidFill>
+                  <a:schemeClr val="bg1"/>
+                </a:solidFill>
+                <a:latin typeface="Overpass" panose="020B0604020202020204" charset="0"/>
+              </a:rPr>
+              <a:t>Eberle</a:t>
+            </a:r>
+            <a:r>
+              <a:rPr lang="es-AR" sz="1100" dirty="0">
+                <a:solidFill>
+                  <a:schemeClr val="bg1"/>
+                </a:solidFill>
+                <a:latin typeface="Overpass" panose="020B0604020202020204" charset="0"/>
+              </a:rPr>
+              <a:t> Lautaro, Costa Valentín</a:t>
+            </a:r>
+          </a:p>
+        </p:txBody>
+      </p:sp>
     </p:spTree>
     <p:extLst>
       <p:ext uri="{BB962C8B-B14F-4D97-AF65-F5344CB8AC3E}">
@@ -25351,6 +25493,18 @@
   <p:clrMapOvr>
     <a:masterClrMapping/>
   </p:clrMapOvr>
+  <mc:AlternateContent xmlns:mc="http://schemas.openxmlformats.org/markup-compatibility/2006">
+    <mc:Choice xmlns:p14="http://schemas.microsoft.com/office/powerpoint/2010/main" Requires="p14">
+      <p:transition spd="slow" p14:dur="2000">
+        <p:wipe/>
+      </p:transition>
+    </mc:Choice>
+    <mc:Fallback>
+      <p:transition spd="slow">
+        <p:wipe/>
+      </p:transition>
+    </mc:Fallback>
+  </mc:AlternateContent>
 </p:sld>
 </file>
 
@@ -26215,6 +26369,9 @@
   <p:clrMapOvr>
     <a:masterClrMapping/>
   </p:clrMapOvr>
+  <p:transition>
+    <p:cover/>
+  </p:transition>
 </p:sld>
 </file>
 
@@ -26526,6 +26683,9 @@
   <p:clrMapOvr>
     <a:masterClrMapping/>
   </p:clrMapOvr>
+  <p:transition>
+    <p:cover/>
+  </p:transition>
 </p:sld>
 </file>
 
@@ -26687,6 +26847,9 @@
   <p:clrMapOvr>
     <a:masterClrMapping/>
   </p:clrMapOvr>
+  <p:transition>
+    <p:cover/>
+  </p:transition>
 </p:sld>
 </file>
 
@@ -31009,6 +31172,9 @@
   <p:clrMapOvr>
     <a:masterClrMapping/>
   </p:clrMapOvr>
+  <p:transition>
+    <p:cover/>
+  </p:transition>
 </p:sld>
 </file>
 
@@ -33133,6 +33299,9 @@
   <p:clrMapOvr>
     <a:masterClrMapping/>
   </p:clrMapOvr>
+  <p:transition>
+    <p:cover/>
+  </p:transition>
 </p:sld>
 </file>
 
@@ -34475,6 +34644,9 @@
   <p:clrMapOvr>
     <a:masterClrMapping/>
   </p:clrMapOvr>
+  <p:transition>
+    <p:cover/>
+  </p:transition>
 </p:sld>
 </file>
 
@@ -37519,6 +37691,9 @@
   <p:clrMapOvr>
     <a:masterClrMapping/>
   </p:clrMapOvr>
+  <p:transition>
+    <p:cover/>
+  </p:transition>
 </p:sld>
 </file>
 
@@ -38411,6 +38586,9 @@
   <p:clrMapOvr>
     <a:masterClrMapping/>
   </p:clrMapOvr>
+  <p:transition>
+    <p:cover/>
+  </p:transition>
 </p:sld>
 </file>
 
@@ -39587,6 +39765,9 @@
   <p:clrMapOvr>
     <a:masterClrMapping/>
   </p:clrMapOvr>
+  <p:transition>
+    <p:cover/>
+  </p:transition>
 </p:sld>
 </file>
 
@@ -39929,6 +40110,9 @@
   <p:clrMapOvr>
     <a:masterClrMapping/>
   </p:clrMapOvr>
+  <p:transition>
+    <p:cover/>
+  </p:transition>
 </p:sld>
 </file>
 
